--- a/Disused code/Misc/DLM_DFO/Lectures/3 Customizing DLMtool/L3a Specifying MPs and other MSE outputs.pptx
+++ b/Disused code/Misc/DLM_DFO/Lectures/3 Customizing DLMtool/L3a Specifying MPs and other MSE outputs.pptx
@@ -169,6 +169,10 @@
 </p:presentation>
 </file>
 
+<file path=ppt/revisionInfo.xml><?xml version="1.0" encoding="utf-8"?>
+<p1510:revInfo xmlns:a="http://schemas.openxmlformats.org/drawingml/2006/main" xmlns:r="http://schemas.openxmlformats.org/officeDocument/2006/relationships" xmlns:p1510="http://schemas.microsoft.com/office/powerpoint/2015/10/main"/>
+</file>
+
 <file path=ppt/notesMasters/notesMaster1.xml><?xml version="1.0" encoding="utf-8"?>
 <p:notesMaster xmlns:a="http://schemas.openxmlformats.org/drawingml/2006/main" xmlns:r="http://schemas.openxmlformats.org/officeDocument/2006/relationships" xmlns:p="http://schemas.openxmlformats.org/presentationml/2006/main">
   <p:cSld>
@@ -267,7 +271,7 @@
               <a:pPr>
                 <a:defRPr/>
               </a:pPr>
-              <a:t>2017-10-20</a:t>
+              <a:t>2017-10-23</a:t>
             </a:fld>
             <a:endParaRPr lang="en-CA"/>
           </a:p>
@@ -332,35 +336,35 @@
           <a:p>
             <a:pPr lvl="0"/>
             <a:r>
-              <a:rPr lang="en-US" noProof="0" smtClean="0"/>
+              <a:rPr lang="en-US" noProof="0"/>
               <a:t>Click to edit Master text styles</a:t>
             </a:r>
           </a:p>
           <a:p>
             <a:pPr lvl="1"/>
             <a:r>
-              <a:rPr lang="en-US" noProof="0" smtClean="0"/>
+              <a:rPr lang="en-US" noProof="0"/>
               <a:t>Second level</a:t>
             </a:r>
           </a:p>
           <a:p>
             <a:pPr lvl="2"/>
             <a:r>
-              <a:rPr lang="en-US" noProof="0" smtClean="0"/>
+              <a:rPr lang="en-US" noProof="0"/>
               <a:t>Third level</a:t>
             </a:r>
           </a:p>
           <a:p>
             <a:pPr lvl="3"/>
             <a:r>
-              <a:rPr lang="en-US" noProof="0" smtClean="0"/>
+              <a:rPr lang="en-US" noProof="0"/>
               <a:t>Fourth level</a:t>
             </a:r>
           </a:p>
           <a:p>
             <a:pPr lvl="4"/>
             <a:r>
-              <a:rPr lang="en-US" noProof="0" smtClean="0"/>
+              <a:rPr lang="en-US" noProof="0"/>
               <a:t>Fifth level</a:t>
             </a:r>
             <a:endParaRPr lang="en-CA" noProof="0"/>
@@ -652,7 +656,7 @@
           </a:lstStyle>
           <a:p>
             <a:r>
-              <a:rPr lang="en-US" smtClean="0"/>
+              <a:rPr lang="en-US"/>
               <a:t>Click to edit Master title style</a:t>
             </a:r>
             <a:endParaRPr lang="en-US" dirty="0"/>
@@ -748,7 +752,7 @@
           </a:lstStyle>
           <a:p>
             <a:r>
-              <a:rPr lang="en-US" smtClean="0"/>
+              <a:rPr lang="en-US"/>
               <a:t>Click to edit Master subtitle style</a:t>
             </a:r>
             <a:endParaRPr lang="en-US" dirty="0"/>
@@ -782,7 +786,7 @@
               <a:pPr>
                 <a:defRPr/>
               </a:pPr>
-              <a:t>10/20/2017</a:t>
+              <a:t>10/23/2017</a:t>
             </a:fld>
             <a:endParaRPr lang="en-US" dirty="0"/>
           </a:p>
@@ -961,7 +965,7 @@
           </a:lstStyle>
           <a:p>
             <a:r>
-              <a:rPr lang="en-US" smtClean="0"/>
+              <a:rPr lang="en-US"/>
               <a:t>Click to edit Master title style</a:t>
             </a:r>
             <a:endParaRPr lang="en-US" dirty="0"/>
@@ -1029,7 +1033,7 @@
           <a:p>
             <a:pPr lvl="0"/>
             <a:r>
-              <a:rPr lang="en-US" noProof="0" smtClean="0"/>
+              <a:rPr lang="en-US" noProof="0"/>
               <a:t>Click icon to add picture</a:t>
             </a:r>
             <a:endParaRPr lang="en-US" noProof="0" dirty="0"/>
@@ -1119,7 +1123,7 @@
           <a:p>
             <a:pPr lvl="0"/>
             <a:r>
-              <a:rPr lang="en-US" smtClean="0"/>
+              <a:rPr lang="en-US"/>
               <a:t>Click to edit Master text styles</a:t>
             </a:r>
           </a:p>
@@ -1152,7 +1156,7 @@
               <a:pPr>
                 <a:defRPr/>
               </a:pPr>
-              <a:t>10/20/2017</a:t>
+              <a:t>10/23/2017</a:t>
             </a:fld>
             <a:endParaRPr lang="en-US" dirty="0"/>
           </a:p>
@@ -1331,7 +1335,7 @@
           </a:lstStyle>
           <a:p>
             <a:r>
-              <a:rPr lang="en-US" smtClean="0"/>
+              <a:rPr lang="en-US"/>
               <a:t>Click to edit Master title style</a:t>
             </a:r>
             <a:endParaRPr lang="en-US" dirty="0"/>
@@ -1397,7 +1401,7 @@
           <a:p>
             <a:pPr lvl="0"/>
             <a:r>
-              <a:rPr lang="en-US" smtClean="0"/>
+              <a:rPr lang="en-US"/>
               <a:t>Click to edit Master text styles</a:t>
             </a:r>
           </a:p>
@@ -1430,7 +1434,7 @@
               <a:pPr>
                 <a:defRPr/>
               </a:pPr>
-              <a:t>10/20/2017</a:t>
+              <a:t>10/23/2017</a:t>
             </a:fld>
             <a:endParaRPr lang="en-US" dirty="0"/>
           </a:p>
@@ -1851,7 +1855,7 @@
           </a:lstStyle>
           <a:p>
             <a:r>
-              <a:rPr lang="en-US" smtClean="0"/>
+              <a:rPr lang="en-US"/>
               <a:t>Click to edit Master title style</a:t>
             </a:r>
             <a:endParaRPr lang="en-US" dirty="0"/>
@@ -1919,7 +1923,7 @@
           <a:p>
             <a:pPr lvl="0"/>
             <a:r>
-              <a:rPr lang="en-US" smtClean="0"/>
+              <a:rPr lang="en-US"/>
               <a:t>Click to edit Master text styles</a:t>
             </a:r>
           </a:p>
@@ -1986,7 +1990,7 @@
           <a:p>
             <a:pPr lvl="0"/>
             <a:r>
-              <a:rPr lang="en-US" smtClean="0"/>
+              <a:rPr lang="en-US"/>
               <a:t>Click to edit Master text styles</a:t>
             </a:r>
           </a:p>
@@ -2019,7 +2023,7 @@
               <a:pPr>
                 <a:defRPr/>
               </a:pPr>
-              <a:t>10/20/2017</a:t>
+              <a:t>10/23/2017</a:t>
             </a:fld>
             <a:endParaRPr lang="en-US" dirty="0"/>
           </a:p>
@@ -2200,7 +2204,7 @@
           </a:lstStyle>
           <a:p>
             <a:r>
-              <a:rPr lang="en-US" smtClean="0"/>
+              <a:rPr lang="en-US"/>
               <a:t>Click to edit Master title style</a:t>
             </a:r>
             <a:endParaRPr lang="en-US" dirty="0"/>
@@ -2266,7 +2270,7 @@
           <a:p>
             <a:pPr lvl="0"/>
             <a:r>
-              <a:rPr lang="en-US" smtClean="0"/>
+              <a:rPr lang="en-US"/>
               <a:t>Click to edit Master text styles</a:t>
             </a:r>
           </a:p>
@@ -2299,7 +2303,7 @@
               <a:pPr>
                 <a:defRPr/>
               </a:pPr>
-              <a:t>10/20/2017</a:t>
+              <a:t>10/23/2017</a:t>
             </a:fld>
             <a:endParaRPr lang="en-US" dirty="0"/>
           </a:p>
@@ -2474,7 +2478,7 @@
           <a:lstStyle/>
           <a:p>
             <a:r>
-              <a:rPr lang="en-US" smtClean="0"/>
+              <a:rPr lang="en-US"/>
               <a:t>Click to edit Master title style</a:t>
             </a:r>
             <a:endParaRPr lang="en-US" dirty="0"/>
@@ -2569,7 +2573,7 @@
           <a:p>
             <a:pPr lvl="0"/>
             <a:r>
-              <a:rPr lang="en-US" smtClean="0"/>
+              <a:rPr lang="en-US"/>
               <a:t>Click to edit Master text styles</a:t>
             </a:r>
           </a:p>
@@ -2636,7 +2640,7 @@
           <a:p>
             <a:pPr lvl="0"/>
             <a:r>
-              <a:rPr lang="en-US" smtClean="0"/>
+              <a:rPr lang="en-US"/>
               <a:t>Click to edit Master text styles</a:t>
             </a:r>
           </a:p>
@@ -2698,7 +2702,7 @@
           <a:p>
             <a:pPr lvl="0"/>
             <a:r>
-              <a:rPr lang="en-US" smtClean="0"/>
+              <a:rPr lang="en-US"/>
               <a:t>Click to edit Master text styles</a:t>
             </a:r>
           </a:p>
@@ -2765,7 +2769,7 @@
           <a:p>
             <a:pPr lvl="0"/>
             <a:r>
-              <a:rPr lang="en-US" smtClean="0"/>
+              <a:rPr lang="en-US"/>
               <a:t>Click to edit Master text styles</a:t>
             </a:r>
           </a:p>
@@ -2827,7 +2831,7 @@
           <a:p>
             <a:pPr lvl="0"/>
             <a:r>
-              <a:rPr lang="en-US" smtClean="0"/>
+              <a:rPr lang="en-US"/>
               <a:t>Click to edit Master text styles</a:t>
             </a:r>
           </a:p>
@@ -2894,7 +2898,7 @@
           <a:p>
             <a:pPr lvl="0"/>
             <a:r>
-              <a:rPr lang="en-US" smtClean="0"/>
+              <a:rPr lang="en-US"/>
               <a:t>Click to edit Master text styles</a:t>
             </a:r>
           </a:p>
@@ -2927,7 +2931,7 @@
               <a:pPr>
                 <a:defRPr/>
               </a:pPr>
-              <a:t>10/20/2017</a:t>
+              <a:t>10/23/2017</a:t>
             </a:fld>
             <a:endParaRPr lang="en-US" dirty="0"/>
           </a:p>
@@ -3102,7 +3106,7 @@
           <a:lstStyle/>
           <a:p>
             <a:r>
-              <a:rPr lang="en-US" smtClean="0"/>
+              <a:rPr lang="en-US"/>
               <a:t>Click to edit Master title style</a:t>
             </a:r>
             <a:endParaRPr lang="en-US" dirty="0"/>
@@ -3193,7 +3197,7 @@
           <a:p>
             <a:pPr lvl="0"/>
             <a:r>
-              <a:rPr lang="en-US" smtClean="0"/>
+              <a:rPr lang="en-US"/>
               <a:t>Click to edit Master text styles</a:t>
             </a:r>
           </a:p>
@@ -3272,7 +3276,7 @@
           <a:p>
             <a:pPr lvl="0"/>
             <a:r>
-              <a:rPr lang="en-US" noProof="0" smtClean="0"/>
+              <a:rPr lang="en-US" noProof="0"/>
               <a:t>Click icon to add picture</a:t>
             </a:r>
             <a:endParaRPr lang="en-US" noProof="0" dirty="0"/>
@@ -3340,7 +3344,7 @@
           <a:p>
             <a:pPr lvl="0"/>
             <a:r>
-              <a:rPr lang="en-US" smtClean="0"/>
+              <a:rPr lang="en-US"/>
               <a:t>Click to edit Master text styles</a:t>
             </a:r>
           </a:p>
@@ -3430,7 +3434,7 @@
           <a:p>
             <a:pPr lvl="0"/>
             <a:r>
-              <a:rPr lang="en-US" smtClean="0"/>
+              <a:rPr lang="en-US"/>
               <a:t>Click to edit Master text styles</a:t>
             </a:r>
           </a:p>
@@ -3509,7 +3513,7 @@
           <a:p>
             <a:pPr lvl="0"/>
             <a:r>
-              <a:rPr lang="en-US" noProof="0" smtClean="0"/>
+              <a:rPr lang="en-US" noProof="0"/>
               <a:t>Click icon to add picture</a:t>
             </a:r>
             <a:endParaRPr lang="en-US" noProof="0" dirty="0"/>
@@ -3577,7 +3581,7 @@
           <a:p>
             <a:pPr lvl="0"/>
             <a:r>
-              <a:rPr lang="en-US" smtClean="0"/>
+              <a:rPr lang="en-US"/>
               <a:t>Click to edit Master text styles</a:t>
             </a:r>
           </a:p>
@@ -3667,7 +3671,7 @@
           <a:p>
             <a:pPr lvl="0"/>
             <a:r>
-              <a:rPr lang="en-US" smtClean="0"/>
+              <a:rPr lang="en-US"/>
               <a:t>Click to edit Master text styles</a:t>
             </a:r>
           </a:p>
@@ -3746,7 +3750,7 @@
           <a:p>
             <a:pPr lvl="0"/>
             <a:r>
-              <a:rPr lang="en-US" noProof="0" smtClean="0"/>
+              <a:rPr lang="en-US" noProof="0"/>
               <a:t>Click icon to add picture</a:t>
             </a:r>
             <a:endParaRPr lang="en-US" noProof="0" dirty="0"/>
@@ -3814,7 +3818,7 @@
           <a:p>
             <a:pPr lvl="0"/>
             <a:r>
-              <a:rPr lang="en-US" smtClean="0"/>
+              <a:rPr lang="en-US"/>
               <a:t>Click to edit Master text styles</a:t>
             </a:r>
           </a:p>
@@ -3847,7 +3851,7 @@
               <a:pPr>
                 <a:defRPr/>
               </a:pPr>
-              <a:t>10/20/2017</a:t>
+              <a:t>10/23/2017</a:t>
             </a:fld>
             <a:endParaRPr lang="en-US" dirty="0"/>
           </a:p>
@@ -4017,7 +4021,7 @@
           <a:lstStyle/>
           <a:p>
             <a:r>
-              <a:rPr lang="en-US" smtClean="0"/>
+              <a:rPr lang="en-US"/>
               <a:t>Click to edit Master title style</a:t>
             </a:r>
             <a:endParaRPr lang="en-US" dirty="0"/>
@@ -4041,35 +4045,35 @@
           <a:p>
             <a:pPr lvl="0"/>
             <a:r>
-              <a:rPr lang="en-US" smtClean="0"/>
+              <a:rPr lang="en-US"/>
               <a:t>Click to edit Master text styles</a:t>
             </a:r>
           </a:p>
           <a:p>
             <a:pPr lvl="1"/>
             <a:r>
-              <a:rPr lang="en-US" smtClean="0"/>
+              <a:rPr lang="en-US"/>
               <a:t>Second level</a:t>
             </a:r>
           </a:p>
           <a:p>
             <a:pPr lvl="2"/>
             <a:r>
-              <a:rPr lang="en-US" smtClean="0"/>
+              <a:rPr lang="en-US"/>
               <a:t>Third level</a:t>
             </a:r>
           </a:p>
           <a:p>
             <a:pPr lvl="3"/>
             <a:r>
-              <a:rPr lang="en-US" smtClean="0"/>
+              <a:rPr lang="en-US"/>
               <a:t>Fourth level</a:t>
             </a:r>
           </a:p>
           <a:p>
             <a:pPr lvl="4"/>
             <a:r>
-              <a:rPr lang="en-US" smtClean="0"/>
+              <a:rPr lang="en-US"/>
               <a:t>Fifth level</a:t>
             </a:r>
             <a:endParaRPr lang="en-US" dirty="0"/>
@@ -4103,7 +4107,7 @@
               <a:pPr>
                 <a:defRPr/>
               </a:pPr>
-              <a:t>10/20/2017</a:t>
+              <a:t>10/23/2017</a:t>
             </a:fld>
             <a:endParaRPr lang="en-US" dirty="0"/>
           </a:p>
@@ -4278,7 +4282,7 @@
           <a:lstStyle/>
           <a:p>
             <a:r>
-              <a:rPr lang="en-US" smtClean="0"/>
+              <a:rPr lang="en-US"/>
               <a:t>Click to edit Master title style</a:t>
             </a:r>
             <a:endParaRPr lang="en-US" dirty="0"/>
@@ -4307,35 +4311,35 @@
           <a:p>
             <a:pPr lvl="0"/>
             <a:r>
-              <a:rPr lang="en-US" smtClean="0"/>
+              <a:rPr lang="en-US"/>
               <a:t>Click to edit Master text styles</a:t>
             </a:r>
           </a:p>
           <a:p>
             <a:pPr lvl="1"/>
             <a:r>
-              <a:rPr lang="en-US" smtClean="0"/>
+              <a:rPr lang="en-US"/>
               <a:t>Second level</a:t>
             </a:r>
           </a:p>
           <a:p>
             <a:pPr lvl="2"/>
             <a:r>
-              <a:rPr lang="en-US" smtClean="0"/>
+              <a:rPr lang="en-US"/>
               <a:t>Third level</a:t>
             </a:r>
           </a:p>
           <a:p>
             <a:pPr lvl="3"/>
             <a:r>
-              <a:rPr lang="en-US" smtClean="0"/>
+              <a:rPr lang="en-US"/>
               <a:t>Fourth level</a:t>
             </a:r>
           </a:p>
           <a:p>
             <a:pPr lvl="4"/>
             <a:r>
-              <a:rPr lang="en-US" smtClean="0"/>
+              <a:rPr lang="en-US"/>
               <a:t>Fifth level</a:t>
             </a:r>
             <a:endParaRPr lang="en-US" dirty="0"/>
@@ -4369,7 +4373,7 @@
               <a:pPr>
                 <a:defRPr/>
               </a:pPr>
-              <a:t>10/20/2017</a:t>
+              <a:t>10/23/2017</a:t>
             </a:fld>
             <a:endParaRPr lang="en-US" dirty="0"/>
           </a:p>
@@ -4539,10 +4543,9 @@
           </a:lstStyle>
           <a:p>
             <a:r>
-              <a:rPr lang="en-US" dirty="0" smtClean="0"/>
+              <a:rPr lang="en-US" dirty="0"/>
               <a:t>Click to edit Master title style</a:t>
             </a:r>
-            <a:endParaRPr lang="en-US" dirty="0"/>
           </a:p>
         </p:txBody>
       </p:sp>
@@ -4570,38 +4573,37 @@
           <a:p>
             <a:pPr lvl="0"/>
             <a:r>
-              <a:rPr lang="en-US" dirty="0" smtClean="0"/>
+              <a:rPr lang="en-US" dirty="0"/>
               <a:t>Click to edit Master text styles</a:t>
             </a:r>
           </a:p>
           <a:p>
             <a:pPr lvl="1"/>
             <a:r>
-              <a:rPr lang="en-US" dirty="0" smtClean="0"/>
+              <a:rPr lang="en-US" dirty="0"/>
               <a:t>Second level</a:t>
             </a:r>
           </a:p>
           <a:p>
             <a:pPr lvl="2"/>
             <a:r>
-              <a:rPr lang="en-US" dirty="0" smtClean="0"/>
+              <a:rPr lang="en-US" dirty="0"/>
               <a:t>Third level</a:t>
             </a:r>
           </a:p>
           <a:p>
             <a:pPr lvl="3"/>
             <a:r>
-              <a:rPr lang="en-US" dirty="0" smtClean="0"/>
+              <a:rPr lang="en-US" dirty="0"/>
               <a:t>Fourth level</a:t>
             </a:r>
           </a:p>
           <a:p>
             <a:pPr lvl="4"/>
             <a:r>
-              <a:rPr lang="en-US" dirty="0" smtClean="0"/>
+              <a:rPr lang="en-US" dirty="0"/>
               <a:t>Fifth level</a:t>
             </a:r>
-            <a:endParaRPr lang="en-US" dirty="0"/>
           </a:p>
         </p:txBody>
       </p:sp>
@@ -4632,7 +4634,7 @@
               <a:pPr>
                 <a:defRPr/>
               </a:pPr>
-              <a:t>10/20/2017</a:t>
+              <a:t>10/23/2017</a:t>
             </a:fld>
             <a:endParaRPr lang="en-US" dirty="0"/>
           </a:p>
@@ -4781,7 +4783,7 @@
           </a:lstStyle>
           <a:p>
             <a:r>
-              <a:rPr lang="en-US" smtClean="0"/>
+              <a:rPr lang="en-US"/>
               <a:t>Click to edit Master title style</a:t>
             </a:r>
             <a:endParaRPr lang="en-US" dirty="0"/>
@@ -4877,7 +4879,7 @@
           </a:lstStyle>
           <a:p>
             <a:r>
-              <a:rPr lang="en-US" smtClean="0"/>
+              <a:rPr lang="en-US"/>
               <a:t>Click to edit Master subtitle style</a:t>
             </a:r>
             <a:endParaRPr lang="en-US" dirty="0"/>
@@ -4911,7 +4913,7 @@
               <a:pPr>
                 <a:defRPr/>
               </a:pPr>
-              <a:t>10/20/2017</a:t>
+              <a:t>10/23/2017</a:t>
             </a:fld>
             <a:endParaRPr lang="en-US" dirty="0"/>
           </a:p>
@@ -5017,7 +5019,7 @@
           <a:lstStyle/>
           <a:p>
             <a:r>
-              <a:rPr lang="en-US" smtClean="0"/>
+              <a:rPr lang="en-US"/>
               <a:t>Click to edit Master title style</a:t>
             </a:r>
             <a:endParaRPr lang="en-US" dirty="0"/>
@@ -5046,35 +5048,35 @@
           <a:p>
             <a:pPr lvl="0"/>
             <a:r>
-              <a:rPr lang="en-US" smtClean="0"/>
+              <a:rPr lang="en-US"/>
               <a:t>Click to edit Master text styles</a:t>
             </a:r>
           </a:p>
           <a:p>
             <a:pPr lvl="1"/>
             <a:r>
-              <a:rPr lang="en-US" smtClean="0"/>
+              <a:rPr lang="en-US"/>
               <a:t>Second level</a:t>
             </a:r>
           </a:p>
           <a:p>
             <a:pPr lvl="2"/>
             <a:r>
-              <a:rPr lang="en-US" smtClean="0"/>
+              <a:rPr lang="en-US"/>
               <a:t>Third level</a:t>
             </a:r>
           </a:p>
           <a:p>
             <a:pPr lvl="3"/>
             <a:r>
-              <a:rPr lang="en-US" smtClean="0"/>
+              <a:rPr lang="en-US"/>
               <a:t>Fourth level</a:t>
             </a:r>
           </a:p>
           <a:p>
             <a:pPr lvl="4"/>
             <a:r>
-              <a:rPr lang="en-US" smtClean="0"/>
+              <a:rPr lang="en-US"/>
               <a:t>Fifth level</a:t>
             </a:r>
             <a:endParaRPr lang="en-US" dirty="0"/>
@@ -5103,35 +5105,35 @@
           <a:p>
             <a:pPr lvl="0"/>
             <a:r>
-              <a:rPr lang="en-US" smtClean="0"/>
+              <a:rPr lang="en-US"/>
               <a:t>Click to edit Master text styles</a:t>
             </a:r>
           </a:p>
           <a:p>
             <a:pPr lvl="1"/>
             <a:r>
-              <a:rPr lang="en-US" smtClean="0"/>
+              <a:rPr lang="en-US"/>
               <a:t>Second level</a:t>
             </a:r>
           </a:p>
           <a:p>
             <a:pPr lvl="2"/>
             <a:r>
-              <a:rPr lang="en-US" smtClean="0"/>
+              <a:rPr lang="en-US"/>
               <a:t>Third level</a:t>
             </a:r>
           </a:p>
           <a:p>
             <a:pPr lvl="3"/>
             <a:r>
-              <a:rPr lang="en-US" smtClean="0"/>
+              <a:rPr lang="en-US"/>
               <a:t>Fourth level</a:t>
             </a:r>
           </a:p>
           <a:p>
             <a:pPr lvl="4"/>
             <a:r>
-              <a:rPr lang="en-US" smtClean="0"/>
+              <a:rPr lang="en-US"/>
               <a:t>Fifth level</a:t>
             </a:r>
             <a:endParaRPr lang="en-US" dirty="0"/>
@@ -5165,7 +5167,7 @@
               <a:pPr>
                 <a:defRPr/>
               </a:pPr>
-              <a:t>10/20/2017</a:t>
+              <a:t>10/23/2017</a:t>
             </a:fld>
             <a:endParaRPr lang="en-US" dirty="0"/>
           </a:p>
@@ -5276,7 +5278,7 @@
           <a:lstStyle/>
           <a:p>
             <a:r>
-              <a:rPr lang="en-US" smtClean="0"/>
+              <a:rPr lang="en-US"/>
               <a:t>Click to edit Master title style</a:t>
             </a:r>
             <a:endParaRPr lang="en-US" dirty="0"/>
@@ -5371,7 +5373,7 @@
           <a:p>
             <a:pPr lvl="0"/>
             <a:r>
-              <a:rPr lang="en-US" smtClean="0"/>
+              <a:rPr lang="en-US"/>
               <a:t>Click to edit Master text styles</a:t>
             </a:r>
           </a:p>
@@ -5399,35 +5401,35 @@
           <a:p>
             <a:pPr lvl="0"/>
             <a:r>
-              <a:rPr lang="en-US" smtClean="0"/>
+              <a:rPr lang="en-US"/>
               <a:t>Click to edit Master text styles</a:t>
             </a:r>
           </a:p>
           <a:p>
             <a:pPr lvl="1"/>
             <a:r>
-              <a:rPr lang="en-US" smtClean="0"/>
+              <a:rPr lang="en-US"/>
               <a:t>Second level</a:t>
             </a:r>
           </a:p>
           <a:p>
             <a:pPr lvl="2"/>
             <a:r>
-              <a:rPr lang="en-US" smtClean="0"/>
+              <a:rPr lang="en-US"/>
               <a:t>Third level</a:t>
             </a:r>
           </a:p>
           <a:p>
             <a:pPr lvl="3"/>
             <a:r>
-              <a:rPr lang="en-US" smtClean="0"/>
+              <a:rPr lang="en-US"/>
               <a:t>Fourth level</a:t>
             </a:r>
           </a:p>
           <a:p>
             <a:pPr lvl="4"/>
             <a:r>
-              <a:rPr lang="en-US" smtClean="0"/>
+              <a:rPr lang="en-US"/>
               <a:t>Fifth level</a:t>
             </a:r>
             <a:endParaRPr lang="en-US" dirty="0"/>
@@ -5490,7 +5492,7 @@
           <a:p>
             <a:pPr lvl="0"/>
             <a:r>
-              <a:rPr lang="en-US" smtClean="0"/>
+              <a:rPr lang="en-US"/>
               <a:t>Click to edit Master text styles</a:t>
             </a:r>
           </a:p>
@@ -5518,35 +5520,35 @@
           <a:p>
             <a:pPr lvl="0"/>
             <a:r>
-              <a:rPr lang="en-US" smtClean="0"/>
+              <a:rPr lang="en-US"/>
               <a:t>Click to edit Master text styles</a:t>
             </a:r>
           </a:p>
           <a:p>
             <a:pPr lvl="1"/>
             <a:r>
-              <a:rPr lang="en-US" smtClean="0"/>
+              <a:rPr lang="en-US"/>
               <a:t>Second level</a:t>
             </a:r>
           </a:p>
           <a:p>
             <a:pPr lvl="2"/>
             <a:r>
-              <a:rPr lang="en-US" smtClean="0"/>
+              <a:rPr lang="en-US"/>
               <a:t>Third level</a:t>
             </a:r>
           </a:p>
           <a:p>
             <a:pPr lvl="3"/>
             <a:r>
-              <a:rPr lang="en-US" smtClean="0"/>
+              <a:rPr lang="en-US"/>
               <a:t>Fourth level</a:t>
             </a:r>
           </a:p>
           <a:p>
             <a:pPr lvl="4"/>
             <a:r>
-              <a:rPr lang="en-US" smtClean="0"/>
+              <a:rPr lang="en-US"/>
               <a:t>Fifth level</a:t>
             </a:r>
             <a:endParaRPr lang="en-US" dirty="0"/>
@@ -5580,7 +5582,7 @@
               <a:pPr>
                 <a:defRPr/>
               </a:pPr>
-              <a:t>10/20/2017</a:t>
+              <a:t>10/23/2017</a:t>
             </a:fld>
             <a:endParaRPr lang="en-US" dirty="0"/>
           </a:p>
@@ -5686,7 +5688,7 @@
           <a:lstStyle/>
           <a:p>
             <a:r>
-              <a:rPr lang="en-US" smtClean="0"/>
+              <a:rPr lang="en-US"/>
               <a:t>Click to edit Master title style</a:t>
             </a:r>
             <a:endParaRPr lang="en-US" dirty="0"/>
@@ -5720,7 +5722,7 @@
               <a:pPr>
                 <a:defRPr/>
               </a:pPr>
-              <a:t>10/20/2017</a:t>
+              <a:t>10/23/2017</a:t>
             </a:fld>
             <a:endParaRPr lang="en-US" dirty="0"/>
           </a:p>
@@ -5837,7 +5839,7 @@
               <a:pPr>
                 <a:defRPr/>
               </a:pPr>
-              <a:t>10/20/2017</a:t>
+              <a:t>10/23/2017</a:t>
             </a:fld>
             <a:endParaRPr lang="en-US" dirty="0"/>
           </a:p>
@@ -5952,7 +5954,7 @@
           </a:lstStyle>
           <a:p>
             <a:r>
-              <a:rPr lang="en-US" smtClean="0"/>
+              <a:rPr lang="en-US"/>
               <a:t>Click to edit Master title style</a:t>
             </a:r>
             <a:endParaRPr lang="en-US" dirty="0"/>
@@ -5981,35 +5983,35 @@
           <a:p>
             <a:pPr lvl="0"/>
             <a:r>
-              <a:rPr lang="en-US" smtClean="0"/>
+              <a:rPr lang="en-US"/>
               <a:t>Click to edit Master text styles</a:t>
             </a:r>
           </a:p>
           <a:p>
             <a:pPr lvl="1"/>
             <a:r>
-              <a:rPr lang="en-US" smtClean="0"/>
+              <a:rPr lang="en-US"/>
               <a:t>Second level</a:t>
             </a:r>
           </a:p>
           <a:p>
             <a:pPr lvl="2"/>
             <a:r>
-              <a:rPr lang="en-US" smtClean="0"/>
+              <a:rPr lang="en-US"/>
               <a:t>Third level</a:t>
             </a:r>
           </a:p>
           <a:p>
             <a:pPr lvl="3"/>
             <a:r>
-              <a:rPr lang="en-US" smtClean="0"/>
+              <a:rPr lang="en-US"/>
               <a:t>Fourth level</a:t>
             </a:r>
           </a:p>
           <a:p>
             <a:pPr lvl="4"/>
             <a:r>
-              <a:rPr lang="en-US" smtClean="0"/>
+              <a:rPr lang="en-US"/>
               <a:t>Fifth level</a:t>
             </a:r>
             <a:endParaRPr lang="en-US" dirty="0"/>
@@ -6101,7 +6103,7 @@
           <a:p>
             <a:pPr lvl="0"/>
             <a:r>
-              <a:rPr lang="en-US" smtClean="0"/>
+              <a:rPr lang="en-US"/>
               <a:t>Click to edit Master text styles</a:t>
             </a:r>
           </a:p>
@@ -6134,7 +6136,7 @@
               <a:pPr>
                 <a:defRPr/>
               </a:pPr>
-              <a:t>10/20/2017</a:t>
+              <a:t>10/23/2017</a:t>
             </a:fld>
             <a:endParaRPr lang="en-US" dirty="0"/>
           </a:p>
@@ -6249,7 +6251,7 @@
           </a:lstStyle>
           <a:p>
             <a:r>
-              <a:rPr lang="en-US" smtClean="0"/>
+              <a:rPr lang="en-US"/>
               <a:t>Click to edit Master title style</a:t>
             </a:r>
             <a:endParaRPr lang="en-US" dirty="0"/>
@@ -6317,7 +6319,7 @@
           <a:p>
             <a:pPr lvl="0"/>
             <a:r>
-              <a:rPr lang="en-US" noProof="0" smtClean="0"/>
+              <a:rPr lang="en-US" noProof="0"/>
               <a:t>Click icon to add picture</a:t>
             </a:r>
             <a:endParaRPr lang="en-US" noProof="0" dirty="0"/>
@@ -6409,7 +6411,7 @@
           <a:p>
             <a:pPr lvl="0"/>
             <a:r>
-              <a:rPr lang="en-US" smtClean="0"/>
+              <a:rPr lang="en-US"/>
               <a:t>Click to edit Master text styles</a:t>
             </a:r>
           </a:p>
@@ -6442,7 +6444,7 @@
               <a:pPr>
                 <a:defRPr/>
               </a:pPr>
-              <a:t>10/20/2017</a:t>
+              <a:t>10/23/2017</a:t>
             </a:fld>
             <a:endParaRPr lang="en-US" dirty="0"/>
           </a:p>
@@ -6592,7 +6594,7 @@
           <a:p>
             <a:pPr lvl="0"/>
             <a:r>
-              <a:rPr lang="en-US" altLang="en-US" smtClean="0"/>
+              <a:rPr lang="en-US" altLang="en-US"/>
               <a:t>Click to edit Master title style</a:t>
             </a:r>
           </a:p>
@@ -6650,35 +6652,35 @@
           <a:p>
             <a:pPr lvl="0"/>
             <a:r>
-              <a:rPr lang="en-US" altLang="en-US" smtClean="0"/>
+              <a:rPr lang="en-US" altLang="en-US"/>
               <a:t>Click to edit Master text styles</a:t>
             </a:r>
           </a:p>
           <a:p>
             <a:pPr lvl="1"/>
             <a:r>
-              <a:rPr lang="en-US" altLang="en-US" smtClean="0"/>
+              <a:rPr lang="en-US" altLang="en-US"/>
               <a:t>Second level</a:t>
             </a:r>
           </a:p>
           <a:p>
             <a:pPr lvl="2"/>
             <a:r>
-              <a:rPr lang="en-US" altLang="en-US" smtClean="0"/>
+              <a:rPr lang="en-US" altLang="en-US"/>
               <a:t>Third level</a:t>
             </a:r>
           </a:p>
           <a:p>
             <a:pPr lvl="3"/>
             <a:r>
-              <a:rPr lang="en-US" altLang="en-US" smtClean="0"/>
+              <a:rPr lang="en-US" altLang="en-US"/>
               <a:t>Fourth level</a:t>
             </a:r>
           </a:p>
           <a:p>
             <a:pPr lvl="4"/>
             <a:r>
-              <a:rPr lang="en-US" altLang="en-US" smtClean="0"/>
+              <a:rPr lang="en-US" altLang="en-US"/>
               <a:t>Fifth level</a:t>
             </a:r>
           </a:p>
@@ -6751,7 +6753,7 @@
               <a:pPr>
                 <a:defRPr/>
               </a:pPr>
-              <a:t>10/20/2017</a:t>
+              <a:t>10/23/2017</a:t>
             </a:fld>
             <a:endParaRPr lang="en-US" dirty="0"/>
           </a:p>
@@ -7917,18 +7919,13 @@
               <a:buNone/>
             </a:pPr>
             <a:r>
-              <a:rPr lang="en-US" altLang="en-US" dirty="0" smtClean="0">
+              <a:rPr lang="en-US" altLang="en-US" dirty="0">
                 <a:solidFill>
                   <a:srgbClr val="FFC000"/>
                 </a:solidFill>
               </a:rPr>
               <a:t>Specifying MPs and other MSE outputs</a:t>
             </a:r>
-            <a:endParaRPr lang="en-US" altLang="en-US" dirty="0">
-              <a:solidFill>
-                <a:srgbClr val="FFC000"/>
-              </a:solidFill>
-            </a:endParaRPr>
           </a:p>
         </p:txBody>
       </p:sp>
@@ -8146,34 +8143,10 @@
                   <a:srgbClr val="FFC000"/>
                 </a:solidFill>
               </a:rPr>
-              <a:t>Lecture </a:t>
-            </a:r>
-            <a:r>
-              <a:rPr lang="en-US" altLang="en-US" sz="1800" dirty="0" smtClean="0">
-                <a:solidFill>
-                  <a:srgbClr val="FFC000"/>
-                </a:solidFill>
-              </a:rPr>
-              <a:t>3a,  </a:t>
-            </a:r>
-            <a:r>
-              <a:rPr lang="en-US" altLang="en-US" sz="1800" dirty="0">
-                <a:solidFill>
-                  <a:srgbClr val="FFC000"/>
-                </a:solidFill>
-              </a:rPr>
-              <a:t>Nov </a:t>
-            </a:r>
-            <a:r>
-              <a:rPr lang="en-US" altLang="en-US" sz="1800" dirty="0" smtClean="0">
-                <a:solidFill>
-                  <a:srgbClr val="FFC000"/>
-                </a:solidFill>
-              </a:rPr>
-              <a:t>8</a:t>
-            </a:r>
-            <a:r>
-              <a:rPr lang="en-US" altLang="en-US" sz="1800" baseline="30000" dirty="0" smtClean="0">
+              <a:t>Lecture 3a,  Nov 8</a:t>
+            </a:r>
+            <a:r>
+              <a:rPr lang="en-US" altLang="en-US" sz="1800" baseline="30000" dirty="0">
                 <a:solidFill>
                   <a:srgbClr val="FFC000"/>
                 </a:solidFill>
@@ -8181,20 +8154,12 @@
               <a:t>th</a:t>
             </a:r>
             <a:r>
-              <a:rPr lang="en-US" altLang="en-US" sz="1800" dirty="0" smtClean="0">
+              <a:rPr lang="en-US" altLang="en-US" sz="1800" dirty="0">
                 <a:solidFill>
                   <a:srgbClr val="FFC000"/>
                 </a:solidFill>
               </a:rPr>
-              <a:t> </a:t>
-            </a:r>
-            <a:r>
-              <a:rPr lang="en-US" altLang="en-US" sz="1800" dirty="0">
-                <a:solidFill>
-                  <a:srgbClr val="FFC000"/>
-                </a:solidFill>
-              </a:rPr>
-              <a:t>2017</a:t>
+              <a:t> 2017</a:t>
             </a:r>
           </a:p>
         </p:txBody>
@@ -8455,7 +8420,7 @@
           <p:cNvPr id="4" name="Picture 3">
             <a:extLst>
               <a:ext uri="{FF2B5EF4-FFF2-40B4-BE49-F238E27FC236}">
-                <a16:creationId xmlns:a16="http://schemas.microsoft.com/office/drawing/2014/main" xmlns="" id="{C65DC03F-AEEF-4777-8132-3DBBB17CD723}"/>
+                <a16:creationId xmlns:a16="http://schemas.microsoft.com/office/drawing/2014/main" id="{C65DC03F-AEEF-4777-8132-3DBBB17CD723}"/>
               </a:ext>
             </a:extLst>
           </p:cNvPr>
@@ -8490,13 +8455,6 @@
   <p:clrMapOvr>
     <a:masterClrMapping/>
   </p:clrMapOvr>
-  <p:timing>
-    <p:tnLst>
-      <p:par>
-        <p:cTn id="1" dur="indefinite" restart="never" nodeType="tmRoot"/>
-      </p:par>
-    </p:tnLst>
-  </p:timing>
 </p:sld>
 </file>
 
@@ -8533,10 +8491,9 @@
           <a:lstStyle/>
           <a:p>
             <a:r>
-              <a:rPr lang="en-CA" dirty="0" smtClean="0"/>
+              <a:rPr lang="en-CA" dirty="0"/>
               <a:t>Value of information analysis</a:t>
             </a:r>
-            <a:endParaRPr lang="en-CA" dirty="0"/>
           </a:p>
         </p:txBody>
       </p:sp>
@@ -8564,7 +8521,7 @@
               <a:buNone/>
             </a:pPr>
             <a:r>
-              <a:rPr lang="en-CA" dirty="0" smtClean="0"/>
+              <a:rPr lang="en-CA" dirty="0"/>
               <a:t>If we can calculate </a:t>
             </a:r>
           </a:p>
@@ -8573,7 +8530,7 @@
               <a:buNone/>
             </a:pPr>
             <a:r>
-              <a:rPr lang="en-CA" dirty="0" smtClean="0"/>
+              <a:rPr lang="en-CA" dirty="0"/>
               <a:t>-  performance for every simulation</a:t>
             </a:r>
           </a:p>
@@ -8582,7 +8539,7 @@
               <a:buNone/>
             </a:pPr>
             <a:r>
-              <a:rPr lang="en-CA" dirty="0" smtClean="0"/>
+              <a:rPr lang="en-CA" dirty="0"/>
               <a:t>and we can track </a:t>
             </a:r>
           </a:p>
@@ -8592,7 +8549,7 @@
               <a:buChar char="-"/>
             </a:pPr>
             <a:r>
-              <a:rPr lang="en-CA" dirty="0" smtClean="0"/>
+              <a:rPr lang="en-CA" dirty="0"/>
               <a:t>the conditions of every simulation,</a:t>
             </a:r>
           </a:p>
@@ -8601,7 +8558,7 @@
               <a:buNone/>
             </a:pPr>
             <a:r>
-              <a:rPr lang="en-CA" dirty="0" smtClean="0"/>
+              <a:rPr lang="en-CA" dirty="0"/>
               <a:t>we can analyse which data observation processes are driving performance. </a:t>
             </a:r>
           </a:p>
@@ -8616,7 +8573,7 @@
               <a:buNone/>
             </a:pPr>
             <a:r>
-              <a:rPr lang="en-CA" dirty="0" smtClean="0"/>
+              <a:rPr lang="en-CA" dirty="0"/>
               <a:t>Value of information analysis can identify which data are the most important in successful management. </a:t>
             </a:r>
           </a:p>
@@ -8625,10 +8582,9 @@
               <a:buNone/>
             </a:pPr>
             <a:r>
-              <a:rPr lang="en-CA" dirty="0" smtClean="0"/>
+              <a:rPr lang="en-CA" dirty="0"/>
               <a:t>For any MSE object in DLMtool you can conduct VOI analysis using the VOI() function…</a:t>
             </a:r>
-            <a:endParaRPr lang="en-CA" dirty="0"/>
           </a:p>
           <a:p>
             <a:pPr marL="0" indent="0">
@@ -8972,7 +8928,7 @@
           <a:lstStyle/>
           <a:p>
             <a:r>
-              <a:rPr lang="en-CA" sz="2400" dirty="0" smtClean="0">
+              <a:rPr lang="en-CA" sz="2400" dirty="0">
                 <a:solidFill>
                   <a:srgbClr val="00B050"/>
                 </a:solidFill>
@@ -8980,7 +8936,7 @@
               <a:t>VOI(</a:t>
             </a:r>
             <a:r>
-              <a:rPr lang="en-CA" sz="2400" dirty="0" err="1" smtClean="0">
+              <a:rPr lang="en-CA" sz="2400" dirty="0" err="1">
                 <a:solidFill>
                   <a:srgbClr val="00B050"/>
                 </a:solidFill>
@@ -8988,18 +8944,13 @@
               <a:t>myMSE</a:t>
             </a:r>
             <a:r>
-              <a:rPr lang="en-CA" sz="2400" dirty="0" smtClean="0">
+              <a:rPr lang="en-CA" sz="2400" dirty="0">
                 <a:solidFill>
                   <a:srgbClr val="00B050"/>
                 </a:solidFill>
               </a:rPr>
               <a:t>)</a:t>
             </a:r>
-            <a:endParaRPr lang="en-CA" sz="2400" dirty="0">
-              <a:solidFill>
-                <a:srgbClr val="00B050"/>
-              </a:solidFill>
-            </a:endParaRPr>
           </a:p>
         </p:txBody>
       </p:sp>
@@ -9050,18 +9001,13 @@
           <a:lstStyle/>
           <a:p>
             <a:r>
-              <a:rPr lang="en-CA" dirty="0" smtClean="0">
+              <a:rPr lang="en-CA" dirty="0">
                 <a:solidFill>
                   <a:srgbClr val="FF0000"/>
                 </a:solidFill>
               </a:rPr>
               <a:t>More critical</a:t>
             </a:r>
-            <a:endParaRPr lang="en-CA" dirty="0">
-              <a:solidFill>
-                <a:srgbClr val="FF0000"/>
-              </a:solidFill>
-            </a:endParaRPr>
           </a:p>
         </p:txBody>
       </p:sp>
@@ -9111,13 +9057,6 @@
   <p:clrMapOvr>
     <a:masterClrMapping/>
   </p:clrMapOvr>
-  <p:timing>
-    <p:tnLst>
-      <p:par>
-        <p:cTn id="1" dur="indefinite" restart="never" nodeType="tmRoot"/>
-      </p:par>
-    </p:tnLst>
-  </p:timing>
 </p:sld>
 </file>
 
@@ -9154,10 +9093,9 @@
           <a:lstStyle/>
           <a:p>
             <a:r>
-              <a:rPr lang="en-CA" dirty="0" smtClean="0"/>
+              <a:rPr lang="en-CA" dirty="0"/>
               <a:t>Cost of current uncertainties</a:t>
             </a:r>
-            <a:endParaRPr lang="en-CA" dirty="0"/>
           </a:p>
         </p:txBody>
       </p:sp>
@@ -9185,7 +9123,7 @@
               <a:buNone/>
             </a:pPr>
             <a:r>
-              <a:rPr lang="en-CA" dirty="0" smtClean="0"/>
+              <a:rPr lang="en-CA" dirty="0"/>
               <a:t>If we knew more about our current fishery, if our operating model was more certain (e.g. a narrower range of natural mortality rate) then perhaps we could use an MP that will perform better?</a:t>
             </a:r>
           </a:p>
@@ -9200,7 +9138,7 @@
               <a:buNone/>
             </a:pPr>
             <a:r>
-              <a:rPr lang="en-CA" dirty="0" smtClean="0"/>
+              <a:rPr lang="en-CA" dirty="0"/>
               <a:t>This is the cost of current uncertainties and it is similar to VOI analysis. Rather than observation model parameters it correlates performance with the conditions of the operating model to identify simulated conditions over which performance varies. </a:t>
             </a:r>
           </a:p>
@@ -9208,17 +9146,24 @@
             <a:pPr marL="0" indent="0">
               <a:buNone/>
             </a:pPr>
-            <a:endParaRPr lang="en-CA" sz="1400" dirty="0" smtClean="0"/>
+            <a:endParaRPr lang="en-CA" sz="1400" dirty="0"/>
           </a:p>
           <a:p>
             <a:pPr marL="0" indent="0">
               <a:buNone/>
             </a:pPr>
             <a:r>
-              <a:rPr lang="en-CA" dirty="0" smtClean="0"/>
-              <a:t>When VOI is run  these CCU plots re actually formed first…</a:t>
-            </a:r>
-            <a:endParaRPr lang="en-CA" dirty="0"/>
+              <a:rPr lang="en-CA" dirty="0"/>
+              <a:t>When VOI is run  these CCU </a:t>
+            </a:r>
+            <a:r>
+              <a:rPr lang="en-CA"/>
+              <a:t>plots are </a:t>
+            </a:r>
+            <a:r>
+              <a:rPr lang="en-CA" dirty="0"/>
+              <a:t>actually formed first…</a:t>
+            </a:r>
           </a:p>
           <a:p>
             <a:pPr marL="0" indent="0">
@@ -9238,13 +9183,6 @@
   <p:clrMapOvr>
     <a:masterClrMapping/>
   </p:clrMapOvr>
-  <p:timing>
-    <p:tnLst>
-      <p:par>
-        <p:cTn id="1" dur="indefinite" restart="never" nodeType="tmRoot"/>
-      </p:par>
-    </p:tnLst>
-  </p:timing>
 </p:sld>
 </file>
 
@@ -9288,7 +9226,7 @@
           <a:lstStyle/>
           <a:p>
             <a:r>
-              <a:rPr lang="en-CA" sz="2400" dirty="0" smtClean="0">
+              <a:rPr lang="en-CA" sz="2400" dirty="0">
                 <a:solidFill>
                   <a:srgbClr val="00B050"/>
                 </a:solidFill>
@@ -9296,7 +9234,7 @@
               <a:t>VOI(</a:t>
             </a:r>
             <a:r>
-              <a:rPr lang="en-CA" sz="2400" dirty="0" err="1" smtClean="0">
+              <a:rPr lang="en-CA" sz="2400" dirty="0" err="1">
                 <a:solidFill>
                   <a:srgbClr val="00B050"/>
                 </a:solidFill>
@@ -9304,18 +9242,13 @@
               <a:t>myMSE</a:t>
             </a:r>
             <a:r>
-              <a:rPr lang="en-CA" sz="2400" dirty="0" smtClean="0">
+              <a:rPr lang="en-CA" sz="2400" dirty="0">
                 <a:solidFill>
                   <a:srgbClr val="00B050"/>
                 </a:solidFill>
               </a:rPr>
               <a:t>)</a:t>
             </a:r>
-            <a:endParaRPr lang="en-CA" sz="2400" dirty="0">
-              <a:solidFill>
-                <a:srgbClr val="00B050"/>
-              </a:solidFill>
-            </a:endParaRPr>
           </a:p>
         </p:txBody>
       </p:sp>
@@ -9342,18 +9275,13 @@
           <a:lstStyle/>
           <a:p>
             <a:r>
-              <a:rPr lang="en-CA" dirty="0" smtClean="0">
+              <a:rPr lang="en-CA" dirty="0">
                 <a:solidFill>
                   <a:srgbClr val="FF0000"/>
                 </a:solidFill>
               </a:rPr>
               <a:t>More critical</a:t>
             </a:r>
-            <a:endParaRPr lang="en-CA" dirty="0">
-              <a:solidFill>
-                <a:srgbClr val="FF0000"/>
-              </a:solidFill>
-            </a:endParaRPr>
           </a:p>
         </p:txBody>
       </p:sp>
@@ -9427,13 +9355,6 @@
   <p:clrMapOvr>
     <a:masterClrMapping/>
   </p:clrMapOvr>
-  <p:timing>
-    <p:tnLst>
-      <p:par>
-        <p:cTn id="1" dur="indefinite" restart="never" nodeType="tmRoot"/>
-      </p:par>
-    </p:tnLst>
-  </p:timing>
 </p:sld>
 </file>
 
@@ -9475,10 +9396,9 @@
           <a:lstStyle/>
           <a:p>
             <a:r>
-              <a:rPr lang="en-CA" dirty="0" smtClean="0"/>
+              <a:rPr lang="en-CA" dirty="0"/>
               <a:t>Getting help</a:t>
             </a:r>
-            <a:endParaRPr lang="en-CA" dirty="0"/>
           </a:p>
         </p:txBody>
       </p:sp>
@@ -9506,11 +9426,11 @@
               <a:buNone/>
             </a:pPr>
             <a:r>
-              <a:rPr lang="en-CA" dirty="0" smtClean="0"/>
+              <a:rPr lang="en-CA" dirty="0"/>
               <a:t>R help:                               </a:t>
             </a:r>
             <a:r>
-              <a:rPr lang="en-CA" dirty="0" err="1" smtClean="0">
+              <a:rPr lang="en-CA" dirty="0" err="1">
                 <a:solidFill>
                   <a:srgbClr val="00B050"/>
                 </a:solidFill>
@@ -9518,7 +9438,7 @@
               <a:t>class?Output</a:t>
             </a:r>
             <a:r>
-              <a:rPr lang="en-CA" dirty="0" smtClean="0">
+              <a:rPr lang="en-CA" dirty="0">
                 <a:solidFill>
                   <a:srgbClr val="00B050"/>
                 </a:solidFill>
@@ -9531,65 +9451,52 @@
               <a:buNone/>
             </a:pPr>
             <a:r>
-              <a:rPr lang="en-CA" dirty="0" smtClean="0">
+              <a:rPr lang="en-CA" dirty="0">
                 <a:solidFill>
                   <a:srgbClr val="00B050"/>
                 </a:solidFill>
               </a:rPr>
-              <a:t>			</a:t>
-            </a:r>
-            <a:r>
-              <a:rPr lang="en-CA" dirty="0">
-                <a:solidFill>
-                  <a:srgbClr val="00B050"/>
-                </a:solidFill>
-              </a:rPr>
-              <a:t>	</a:t>
-            </a:r>
-            <a:r>
-              <a:rPr lang="en-CA" dirty="0" err="1" smtClean="0">
+              <a:t>				</a:t>
+            </a:r>
+            <a:r>
+              <a:rPr lang="en-CA" dirty="0" err="1">
                 <a:solidFill>
                   <a:srgbClr val="00B050"/>
                 </a:solidFill>
               </a:rPr>
               <a:t>class?Input</a:t>
-            </a:r>
-            <a:endParaRPr lang="en-CA" dirty="0" smtClean="0">
-              <a:solidFill>
-                <a:srgbClr val="00B050"/>
-              </a:solidFill>
-            </a:endParaRPr>
-          </a:p>
-          <a:p>
-            <a:pPr marL="0" indent="0">
-              <a:buNone/>
-            </a:pPr>
-            <a:r>
-              <a:rPr lang="en-CA" dirty="0" smtClean="0">
-                <a:solidFill>
-                  <a:srgbClr val="00B050"/>
-                </a:solidFill>
-              </a:rPr>
-              <a:t>				?Converge</a:t>
-            </a:r>
-          </a:p>
-          <a:p>
-            <a:pPr marL="0" indent="0">
-              <a:buNone/>
-            </a:pPr>
-            <a:r>
-              <a:rPr lang="en-CA" dirty="0" smtClean="0">
-                <a:solidFill>
-                  <a:srgbClr val="00B050"/>
-                </a:solidFill>
-              </a:rPr>
-              <a:t>				?VOI</a:t>
             </a:r>
             <a:endParaRPr lang="en-CA" dirty="0">
               <a:solidFill>
                 <a:srgbClr val="00B050"/>
               </a:solidFill>
             </a:endParaRPr>
+          </a:p>
+          <a:p>
+            <a:pPr marL="0" indent="0">
+              <a:buNone/>
+            </a:pPr>
+            <a:r>
+              <a:rPr lang="en-CA" dirty="0">
+                <a:solidFill>
+                  <a:srgbClr val="00B050"/>
+                </a:solidFill>
+              </a:rPr>
+              <a:t>				?Converge</a:t>
+            </a:r>
+          </a:p>
+          <a:p>
+            <a:pPr marL="0" indent="0">
+              <a:buNone/>
+            </a:pPr>
+            <a:r>
+              <a:rPr lang="en-CA" dirty="0">
+                <a:solidFill>
+                  <a:srgbClr val="00B050"/>
+                </a:solidFill>
+              </a:rPr>
+              <a:t>				?VOI</a:t>
+            </a:r>
           </a:p>
         </p:txBody>
       </p:sp>
@@ -9603,13 +9510,6 @@
   <p:clrMapOvr>
     <a:masterClrMapping/>
   </p:clrMapOvr>
-  <p:timing>
-    <p:tnLst>
-      <p:par>
-        <p:cTn id="1" dur="indefinite" restart="never" nodeType="tmRoot"/>
-      </p:par>
-    </p:tnLst>
-  </p:timing>
 </p:sld>
 </file>
 
@@ -9652,7 +9552,7 @@
           <a:p>
             <a:pPr eaLnBrk="1" hangingPunct="1"/>
             <a:r>
-              <a:rPr lang="en-CA" altLang="en-US" dirty="0" smtClean="0">
+              <a:rPr lang="en-CA" altLang="en-US" dirty="0">
                 <a:solidFill>
                   <a:srgbClr val="F6BB00"/>
                 </a:solidFill>
@@ -9690,7 +9590,7 @@
               <a:buAutoNum type="arabicPeriod"/>
             </a:pPr>
             <a:r>
-              <a:rPr lang="en-CA" altLang="en-US" sz="2800" dirty="0" smtClean="0">
+              <a:rPr lang="en-CA" altLang="en-US" sz="2800" dirty="0">
                 <a:solidFill>
                   <a:srgbClr val="27AFE5"/>
                 </a:solidFill>
@@ -9707,7 +9607,7 @@
               <a:buAutoNum type="arabicPeriod"/>
             </a:pPr>
             <a:r>
-              <a:rPr lang="en-CA" altLang="en-US" sz="2800" dirty="0" smtClean="0">
+              <a:rPr lang="en-CA" altLang="en-US" sz="2800" dirty="0">
                 <a:solidFill>
                   <a:srgbClr val="27AFE5"/>
                 </a:solidFill>
@@ -9724,7 +9624,7 @@
               <a:buAutoNum type="arabicPeriod"/>
             </a:pPr>
             <a:r>
-              <a:rPr lang="en-CA" altLang="en-US" sz="2800" dirty="0" smtClean="0">
+              <a:rPr lang="en-CA" altLang="en-US" sz="2800" dirty="0">
                 <a:solidFill>
                   <a:srgbClr val="27AFE5"/>
                 </a:solidFill>
@@ -9741,7 +9641,7 @@
               <a:buAutoNum type="arabicPeriod"/>
             </a:pPr>
             <a:r>
-              <a:rPr lang="en-CA" altLang="en-US" sz="2800" dirty="0" smtClean="0">
+              <a:rPr lang="en-CA" altLang="en-US" sz="2800" dirty="0">
                 <a:solidFill>
                   <a:srgbClr val="27AFE5"/>
                 </a:solidFill>
@@ -9756,13 +9656,6 @@
   <p:clrMapOvr>
     <a:masterClrMapping/>
   </p:clrMapOvr>
-  <p:timing>
-    <p:tnLst>
-      <p:par>
-        <p:cTn id="1" dur="indefinite" restart="never" nodeType="tmRoot"/>
-      </p:par>
-    </p:tnLst>
-  </p:timing>
 </p:sld>
 </file>
 
@@ -9808,7 +9701,7 @@
               <a:buNone/>
             </a:pPr>
             <a:r>
-              <a:rPr lang="en-CA" altLang="en-US" sz="2800" dirty="0" smtClean="0">
+              <a:rPr lang="en-CA" altLang="en-US" sz="2800" dirty="0">
                 <a:solidFill>
                   <a:srgbClr val="27AFE5"/>
                 </a:solidFill>
@@ -9821,7 +9714,7 @@
               <a:buFont typeface="Arial" panose="020B0604020202020204" pitchFamily="34" charset="0"/>
               <a:buNone/>
             </a:pPr>
-            <a:endParaRPr lang="en-CA" altLang="en-US" dirty="0" smtClean="0"/>
+            <a:endParaRPr lang="en-CA" altLang="en-US" dirty="0"/>
           </a:p>
         </p:txBody>
       </p:sp>
@@ -9848,7 +9741,7 @@
           <a:lstStyle/>
           <a:p>
             <a:r>
-              <a:rPr lang="en-CA" sz="2200" dirty="0" smtClean="0">
+              <a:rPr lang="en-CA" sz="2200" dirty="0">
                 <a:solidFill>
                   <a:srgbClr val="0070C0"/>
                 </a:solidFill>
@@ -9869,7 +9762,7 @@
               <a:buAutoNum type="arabicPeriod"/>
             </a:pPr>
             <a:r>
-              <a:rPr lang="en-CA" sz="2200" dirty="0" smtClean="0">
+              <a:rPr lang="en-CA" sz="2200" dirty="0">
                 <a:solidFill>
                   <a:srgbClr val="0070C0"/>
                 </a:solidFill>
@@ -9877,7 +9770,7 @@
               <a:t>Output control MPs (</a:t>
             </a:r>
             <a:r>
-              <a:rPr lang="en-CA" sz="2200" dirty="0" smtClean="0">
+              <a:rPr lang="en-CA" sz="2200" dirty="0">
                 <a:solidFill>
                   <a:srgbClr val="FF0000"/>
                 </a:solidFill>
@@ -9885,29 +9778,12 @@
               <a:t>class Output</a:t>
             </a:r>
             <a:r>
-              <a:rPr lang="en-CA" sz="2200" dirty="0" smtClean="0">
+              <a:rPr lang="en-CA" sz="2200" dirty="0">
                 <a:solidFill>
                   <a:srgbClr val="0070C0"/>
                 </a:solidFill>
               </a:rPr>
               <a:t>)</a:t>
-            </a:r>
-          </a:p>
-          <a:p>
-            <a:endParaRPr lang="en-CA" sz="2200" dirty="0" smtClean="0">
-              <a:solidFill>
-                <a:srgbClr val="0070C0"/>
-              </a:solidFill>
-            </a:endParaRPr>
-          </a:p>
-          <a:p>
-            <a:r>
-              <a:rPr lang="en-CA" sz="2200" dirty="0" smtClean="0">
-                <a:solidFill>
-                  <a:srgbClr val="0070C0"/>
-                </a:solidFill>
-              </a:rPr>
-              <a:t>       Provide a Total Allowable Catch (TAC), e.g. 100,000 tonnes </a:t>
             </a:r>
           </a:p>
           <a:p>
@@ -9919,123 +9795,13 @@
           </a:p>
           <a:p>
             <a:r>
-              <a:rPr lang="en-CA" sz="2200" dirty="0" smtClean="0">
+              <a:rPr lang="en-CA" sz="2200" dirty="0">
                 <a:solidFill>
                   <a:srgbClr val="0070C0"/>
                 </a:solidFill>
               </a:rPr>
-              <a:t>2.   Input control MPs (</a:t>
-            </a:r>
-            <a:r>
-              <a:rPr lang="en-CA" sz="2200" dirty="0" smtClean="0">
-                <a:solidFill>
-                  <a:srgbClr val="FF0000"/>
-                </a:solidFill>
-              </a:rPr>
-              <a:t>class Input</a:t>
-            </a:r>
-            <a:r>
-              <a:rPr lang="en-CA" sz="2200" dirty="0" smtClean="0">
-                <a:solidFill>
-                  <a:srgbClr val="0070C0"/>
-                </a:solidFill>
-              </a:rPr>
-              <a:t>)</a:t>
-            </a:r>
-          </a:p>
-          <a:p>
-            <a:endParaRPr lang="en-CA" sz="2200" b="1" dirty="0" smtClean="0">
-              <a:solidFill>
-                <a:srgbClr val="0070C0"/>
-              </a:solidFill>
-            </a:endParaRPr>
-          </a:p>
-          <a:p>
-            <a:r>
-              <a:rPr lang="en-CA" sz="2200" dirty="0" smtClean="0">
-                <a:solidFill>
-                  <a:srgbClr val="0070C0"/>
-                </a:solidFill>
-              </a:rPr>
-              <a:t>       These MPs control the extent of fishing pressure rather than the </a:t>
-            </a:r>
-          </a:p>
-          <a:p>
-            <a:r>
-              <a:rPr lang="en-CA" sz="2200" dirty="0">
-                <a:solidFill>
-                  <a:srgbClr val="0070C0"/>
-                </a:solidFill>
-              </a:rPr>
-              <a:t> </a:t>
-            </a:r>
-            <a:r>
-              <a:rPr lang="en-CA" sz="2200" dirty="0" smtClean="0">
-                <a:solidFill>
-                  <a:srgbClr val="0070C0"/>
-                </a:solidFill>
-              </a:rPr>
-              <a:t>      amount of fish extracted and can make recommendations in terms of </a:t>
-            </a:r>
-          </a:p>
-          <a:p>
-            <a:endParaRPr lang="en-CA" sz="2200" dirty="0" smtClean="0">
-              <a:solidFill>
-                <a:srgbClr val="0070C0"/>
-              </a:solidFill>
-            </a:endParaRPr>
-          </a:p>
-          <a:p>
-            <a:r>
-              <a:rPr lang="en-CA" sz="2200" dirty="0" smtClean="0">
-                <a:solidFill>
-                  <a:srgbClr val="0070C0"/>
-                </a:solidFill>
-              </a:rPr>
-              <a:t>        -  Total Allowable Effort (TAE), e.g. 10,000 days of fishing</a:t>
-            </a:r>
-          </a:p>
-          <a:p>
-            <a:r>
-              <a:rPr lang="en-CA" sz="2200" dirty="0" smtClean="0">
-                <a:solidFill>
-                  <a:srgbClr val="0070C0"/>
-                </a:solidFill>
-              </a:rPr>
-              <a:t>        -  Spatial closures (e.g. no take areas)</a:t>
-            </a:r>
-          </a:p>
-          <a:p>
-            <a:r>
-              <a:rPr lang="en-CA" sz="2200" dirty="0" smtClean="0">
-                <a:solidFill>
-                  <a:srgbClr val="0070C0"/>
-                </a:solidFill>
-              </a:rPr>
-              <a:t>        -  Size limits (e.g. only retain fish over 50cm) </a:t>
-            </a:r>
-          </a:p>
-          <a:p>
-            <a:pPr marL="285750" indent="-285750">
-              <a:buFontTx/>
-              <a:buChar char="-"/>
-            </a:pPr>
-            <a:endParaRPr lang="en-CA" sz="2200" dirty="0" smtClean="0">
-              <a:solidFill>
-                <a:srgbClr val="0070C0"/>
-              </a:solidFill>
-            </a:endParaRPr>
-          </a:p>
-          <a:p>
-            <a:pPr marL="285750" indent="-285750">
-              <a:buFontTx/>
-              <a:buChar char="-"/>
-            </a:pPr>
-            <a:endParaRPr lang="en-CA" sz="2200" dirty="0" smtClean="0">
-              <a:solidFill>
-                <a:srgbClr val="0070C0"/>
-              </a:solidFill>
-            </a:endParaRPr>
+              <a:t>       Provide a Total Allowable Catch (TAC), e.g. 100,000 tonnes </a:t>
+            </a:r>
           </a:p>
           <a:p>
             <a:endParaRPr lang="en-CA" sz="2200" dirty="0">
@@ -10045,7 +9811,126 @@
             </a:endParaRPr>
           </a:p>
           <a:p>
-            <a:endParaRPr lang="en-CA" sz="2200" dirty="0" smtClean="0">
+            <a:r>
+              <a:rPr lang="en-CA" sz="2200" dirty="0">
+                <a:solidFill>
+                  <a:srgbClr val="0070C0"/>
+                </a:solidFill>
+              </a:rPr>
+              <a:t>2.   Input control MPs (</a:t>
+            </a:r>
+            <a:r>
+              <a:rPr lang="en-CA" sz="2200" dirty="0">
+                <a:solidFill>
+                  <a:srgbClr val="FF0000"/>
+                </a:solidFill>
+              </a:rPr>
+              <a:t>class Input</a:t>
+            </a:r>
+            <a:r>
+              <a:rPr lang="en-CA" sz="2200" dirty="0">
+                <a:solidFill>
+                  <a:srgbClr val="0070C0"/>
+                </a:solidFill>
+              </a:rPr>
+              <a:t>)</a:t>
+            </a:r>
+          </a:p>
+          <a:p>
+            <a:endParaRPr lang="en-CA" sz="2200" b="1" dirty="0">
+              <a:solidFill>
+                <a:srgbClr val="0070C0"/>
+              </a:solidFill>
+            </a:endParaRPr>
+          </a:p>
+          <a:p>
+            <a:r>
+              <a:rPr lang="en-CA" sz="2200" dirty="0">
+                <a:solidFill>
+                  <a:srgbClr val="0070C0"/>
+                </a:solidFill>
+              </a:rPr>
+              <a:t>       These MPs control the extent of fishing pressure rather than the </a:t>
+            </a:r>
+          </a:p>
+          <a:p>
+            <a:r>
+              <a:rPr lang="en-CA" sz="2200" dirty="0">
+                <a:solidFill>
+                  <a:srgbClr val="0070C0"/>
+                </a:solidFill>
+              </a:rPr>
+              <a:t>       amount of fish extracted and can make recommendations in terms of </a:t>
+            </a:r>
+          </a:p>
+          <a:p>
+            <a:endParaRPr lang="en-CA" sz="2200" dirty="0">
+              <a:solidFill>
+                <a:srgbClr val="0070C0"/>
+              </a:solidFill>
+            </a:endParaRPr>
+          </a:p>
+          <a:p>
+            <a:r>
+              <a:rPr lang="en-CA" sz="2200" dirty="0">
+                <a:solidFill>
+                  <a:srgbClr val="0070C0"/>
+                </a:solidFill>
+              </a:rPr>
+              <a:t>        -  Total Allowable Effort (TAE), e.g. 10,000 days of fishing</a:t>
+            </a:r>
+          </a:p>
+          <a:p>
+            <a:r>
+              <a:rPr lang="en-CA" sz="2200" dirty="0">
+                <a:solidFill>
+                  <a:srgbClr val="0070C0"/>
+                </a:solidFill>
+              </a:rPr>
+              <a:t>        -  Spatial closures (e.g. no take areas)</a:t>
+            </a:r>
+          </a:p>
+          <a:p>
+            <a:r>
+              <a:rPr lang="en-CA" sz="2200" dirty="0">
+                <a:solidFill>
+                  <a:srgbClr val="0070C0"/>
+                </a:solidFill>
+              </a:rPr>
+              <a:t>        -  Size limits (e.g. only retain fish over 50cm) </a:t>
+            </a:r>
+          </a:p>
+          <a:p>
+            <a:pPr marL="285750" indent="-285750">
+              <a:buFontTx/>
+              <a:buChar char="-"/>
+            </a:pPr>
+            <a:endParaRPr lang="en-CA" sz="2200" dirty="0">
+              <a:solidFill>
+                <a:srgbClr val="0070C0"/>
+              </a:solidFill>
+            </a:endParaRPr>
+          </a:p>
+          <a:p>
+            <a:pPr marL="285750" indent="-285750">
+              <a:buFontTx/>
+              <a:buChar char="-"/>
+            </a:pPr>
+            <a:endParaRPr lang="en-CA" sz="2200" dirty="0">
+              <a:solidFill>
+                <a:srgbClr val="0070C0"/>
+              </a:solidFill>
+            </a:endParaRPr>
+          </a:p>
+          <a:p>
+            <a:endParaRPr lang="en-CA" sz="2200" dirty="0">
+              <a:solidFill>
+                <a:srgbClr val="0070C0"/>
+              </a:solidFill>
+            </a:endParaRPr>
+          </a:p>
+          <a:p>
+            <a:endParaRPr lang="en-CA" sz="2200" dirty="0">
               <a:solidFill>
                 <a:srgbClr val="0070C0"/>
               </a:solidFill>
@@ -10410,10 +10295,9 @@
           <a:lstStyle/>
           <a:p>
             <a:r>
-              <a:rPr lang="en-CA" dirty="0" smtClean="0"/>
+              <a:rPr lang="en-CA" dirty="0"/>
               <a:t>Finding DLMtool MPs</a:t>
             </a:r>
-            <a:endParaRPr lang="en-CA" dirty="0"/>
           </a:p>
         </p:txBody>
       </p:sp>
@@ -10441,7 +10325,7 @@
               <a:buNone/>
             </a:pPr>
             <a:r>
-              <a:rPr lang="en-CA" dirty="0" smtClean="0"/>
+              <a:rPr lang="en-CA" dirty="0"/>
               <a:t>Similarly to other objects in DLMtool you can use the avail()</a:t>
             </a:r>
           </a:p>
@@ -10450,10 +10334,9 @@
               <a:buNone/>
             </a:pPr>
             <a:r>
-              <a:rPr lang="en-CA" dirty="0" smtClean="0"/>
+              <a:rPr lang="en-CA" dirty="0"/>
               <a:t>function to list those that are available:</a:t>
             </a:r>
-            <a:endParaRPr lang="en-CA" dirty="0"/>
           </a:p>
         </p:txBody>
       </p:sp>
@@ -10645,10 +10528,9 @@
           <a:lstStyle/>
           <a:p>
             <a:r>
-              <a:rPr lang="en-CA" dirty="0" smtClean="0"/>
+              <a:rPr lang="en-CA" dirty="0"/>
               <a:t>Finding DLMtool MPs</a:t>
             </a:r>
-            <a:endParaRPr lang="en-CA" dirty="0"/>
           </a:p>
         </p:txBody>
       </p:sp>
@@ -10676,10 +10558,9 @@
               <a:buNone/>
             </a:pPr>
             <a:r>
-              <a:rPr lang="en-CA" dirty="0" smtClean="0"/>
+              <a:rPr lang="en-CA" dirty="0"/>
               <a:t>Now for input control MPs</a:t>
             </a:r>
-            <a:endParaRPr lang="en-CA" dirty="0"/>
           </a:p>
         </p:txBody>
       </p:sp>
@@ -10872,10 +10753,9 @@
           <a:lstStyle/>
           <a:p>
             <a:r>
-              <a:rPr lang="en-CA" dirty="0" smtClean="0"/>
+              <a:rPr lang="en-CA" dirty="0"/>
               <a:t>Using selected MPs in an MSE</a:t>
             </a:r>
-            <a:endParaRPr lang="en-CA" dirty="0"/>
           </a:p>
         </p:txBody>
       </p:sp>
@@ -10903,7 +10783,7 @@
               <a:buNone/>
             </a:pPr>
             <a:r>
-              <a:rPr lang="en-CA" dirty="0" smtClean="0"/>
+              <a:rPr lang="en-CA" dirty="0"/>
               <a:t>To evaluate the performance of a set of selected MPs,</a:t>
             </a:r>
           </a:p>
@@ -10913,11 +10793,7 @@
             </a:pPr>
             <a:r>
               <a:rPr lang="en-CA" dirty="0"/>
-              <a:t>y</a:t>
-            </a:r>
-            <a:r>
-              <a:rPr lang="en-CA" dirty="0" smtClean="0"/>
-              <a:t>ou can make a list of their names in R and pass this to the</a:t>
+              <a:t>you can make a list of their names in R and pass this to the</a:t>
             </a:r>
           </a:p>
           <a:p>
@@ -10925,14 +10801,13 @@
               <a:buNone/>
             </a:pPr>
             <a:r>
-              <a:rPr lang="en-CA" dirty="0" err="1" smtClean="0"/>
+              <a:rPr lang="en-CA" dirty="0" err="1"/>
               <a:t>runMSE</a:t>
             </a:r>
             <a:r>
-              <a:rPr lang="en-CA" dirty="0" smtClean="0"/>
+              <a:rPr lang="en-CA" dirty="0"/>
               <a:t>() function:</a:t>
             </a:r>
-            <a:endParaRPr lang="en-CA" dirty="0"/>
           </a:p>
         </p:txBody>
       </p:sp>
@@ -11172,7 +11047,7 @@
               <a:buNone/>
             </a:pPr>
             <a:r>
-              <a:rPr lang="en-CA" altLang="en-US" sz="2200" dirty="0" err="1" smtClean="0">
+              <a:rPr lang="en-CA" altLang="en-US" sz="2200" dirty="0" err="1">
                 <a:solidFill>
                   <a:srgbClr val="00B050"/>
                 </a:solidFill>
@@ -11180,20 +11055,12 @@
               <a:t>myMPs</a:t>
             </a:r>
             <a:r>
-              <a:rPr lang="en-CA" altLang="en-US" sz="2200" dirty="0" smtClean="0">
+              <a:rPr lang="en-CA" altLang="en-US" sz="2200" dirty="0">
                 <a:solidFill>
                   <a:srgbClr val="00B050"/>
                 </a:solidFill>
               </a:rPr>
-              <a:t> = c</a:t>
-            </a:r>
-            <a:r>
-              <a:rPr lang="en-CA" altLang="en-US" sz="2200" dirty="0">
-                <a:solidFill>
-                  <a:srgbClr val="00B050"/>
-                </a:solidFill>
-              </a:rPr>
-              <a:t>("</a:t>
+              <a:t> = c("</a:t>
             </a:r>
             <a:r>
               <a:rPr lang="en-CA" altLang="en-US" sz="2200" dirty="0" err="1">
@@ -11204,7 +11071,7 @@
               <a:t>AvC</a:t>
             </a:r>
             <a:r>
-              <a:rPr lang="en-CA" altLang="en-US" sz="2200" dirty="0" smtClean="0">
+              <a:rPr lang="en-CA" altLang="en-US" sz="2200" dirty="0">
                 <a:solidFill>
                   <a:srgbClr val="00B050"/>
                 </a:solidFill>
@@ -11220,76 +11087,12 @@
               <a:t>curE</a:t>
             </a:r>
             <a:r>
-              <a:rPr lang="en-CA" altLang="en-US" sz="2200" dirty="0" smtClean="0">
+              <a:rPr lang="en-CA" altLang="en-US" sz="2200" dirty="0">
                 <a:solidFill>
                   <a:srgbClr val="00B050"/>
                 </a:solidFill>
               </a:rPr>
-              <a:t>", "</a:t>
-            </a:r>
-            <a:r>
-              <a:rPr lang="en-CA" altLang="en-US" sz="2200" dirty="0">
-                <a:solidFill>
-                  <a:srgbClr val="00B050"/>
-                </a:solidFill>
-              </a:rPr>
-              <a:t>DCAC</a:t>
-            </a:r>
-            <a:r>
-              <a:rPr lang="en-CA" altLang="en-US" sz="2200" dirty="0" smtClean="0">
-                <a:solidFill>
-                  <a:srgbClr val="00B050"/>
-                </a:solidFill>
-              </a:rPr>
-              <a:t>", "</a:t>
-            </a:r>
-            <a:r>
-              <a:rPr lang="en-CA" altLang="en-US" sz="2200" dirty="0">
-                <a:solidFill>
-                  <a:srgbClr val="00B050"/>
-                </a:solidFill>
-              </a:rPr>
-              <a:t>DD</a:t>
-            </a:r>
-            <a:r>
-              <a:rPr lang="en-CA" altLang="en-US" sz="2200" dirty="0" smtClean="0">
-                <a:solidFill>
-                  <a:srgbClr val="00B050"/>
-                </a:solidFill>
-              </a:rPr>
-              <a:t>", "</a:t>
-            </a:r>
-            <a:r>
-              <a:rPr lang="en-CA" altLang="en-US" sz="2200" dirty="0">
-                <a:solidFill>
-                  <a:srgbClr val="00B050"/>
-                </a:solidFill>
-              </a:rPr>
-              <a:t>MCD</a:t>
-            </a:r>
-            <a:r>
-              <a:rPr lang="en-CA" altLang="en-US" sz="2200" dirty="0" smtClean="0">
-                <a:solidFill>
-                  <a:srgbClr val="00B050"/>
-                </a:solidFill>
-              </a:rPr>
-              <a:t>", "</a:t>
-            </a:r>
-            <a:r>
-              <a:rPr lang="en-CA" altLang="en-US" sz="2200" dirty="0">
-                <a:solidFill>
-                  <a:srgbClr val="00B050"/>
-                </a:solidFill>
-              </a:rPr>
-              <a:t>SPMSY</a:t>
-            </a:r>
-            <a:r>
-              <a:rPr lang="en-CA" altLang="en-US" sz="2200" dirty="0" smtClean="0">
-                <a:solidFill>
-                  <a:srgbClr val="00B050"/>
-                </a:solidFill>
-              </a:rPr>
-              <a:t>")</a:t>
+              <a:t>", "DCAC", "DD", "MCD", "SPMSY")</a:t>
             </a:r>
           </a:p>
           <a:p>
@@ -11303,7 +11106,7 @@
               <a:buNone/>
             </a:pPr>
             <a:r>
-              <a:rPr lang="en-CA" altLang="en-US" sz="2200" dirty="0" err="1" smtClean="0">
+              <a:rPr lang="en-CA" altLang="en-US" sz="2200" dirty="0" err="1">
                 <a:solidFill>
                   <a:srgbClr val="00B050"/>
                 </a:solidFill>
@@ -11311,7 +11114,7 @@
               <a:t>myMSE</a:t>
             </a:r>
             <a:r>
-              <a:rPr lang="en-CA" altLang="en-US" sz="2200" dirty="0" smtClean="0">
+              <a:rPr lang="en-CA" altLang="en-US" sz="2200" dirty="0">
                 <a:solidFill>
                   <a:srgbClr val="00B050"/>
                 </a:solidFill>
@@ -11319,7 +11122,7 @@
               <a:t> = </a:t>
             </a:r>
             <a:r>
-              <a:rPr lang="en-CA" altLang="en-US" sz="2200" dirty="0" err="1" smtClean="0">
+              <a:rPr lang="en-CA" altLang="en-US" sz="2200" dirty="0" err="1">
                 <a:solidFill>
                   <a:srgbClr val="00B050"/>
                 </a:solidFill>
@@ -11327,7 +11130,7 @@
               <a:t>runMSE</a:t>
             </a:r>
             <a:r>
-              <a:rPr lang="en-CA" altLang="en-US" sz="2200" dirty="0" smtClean="0">
+              <a:rPr lang="en-CA" altLang="en-US" sz="2200" dirty="0">
                 <a:solidFill>
                   <a:srgbClr val="00B050"/>
                 </a:solidFill>
@@ -11335,7 +11138,7 @@
               <a:t>(</a:t>
             </a:r>
             <a:r>
-              <a:rPr lang="en-CA" altLang="en-US" sz="2200" dirty="0" err="1" smtClean="0">
+              <a:rPr lang="en-CA" altLang="en-US" sz="2200" dirty="0" err="1">
                 <a:solidFill>
                   <a:srgbClr val="00B050"/>
                 </a:solidFill>
@@ -11343,7 +11146,7 @@
               <a:t>myOM</a:t>
             </a:r>
             <a:r>
-              <a:rPr lang="en-CA" altLang="en-US" sz="2200" dirty="0" smtClean="0">
+              <a:rPr lang="en-CA" altLang="en-US" sz="2200" dirty="0">
                 <a:solidFill>
                   <a:srgbClr val="00B050"/>
                 </a:solidFill>
@@ -11351,7 +11154,7 @@
               <a:t>, </a:t>
             </a:r>
             <a:r>
-              <a:rPr lang="en-CA" altLang="en-US" sz="2200" dirty="0" err="1" smtClean="0">
+              <a:rPr lang="en-CA" altLang="en-US" sz="2200" dirty="0" err="1">
                 <a:solidFill>
                   <a:srgbClr val="00B050"/>
                 </a:solidFill>
@@ -11359,7 +11162,7 @@
               <a:t>myMPs</a:t>
             </a:r>
             <a:r>
-              <a:rPr lang="en-CA" altLang="en-US" sz="2200" dirty="0" smtClean="0">
+              <a:rPr lang="en-CA" altLang="en-US" sz="2200" dirty="0">
                 <a:solidFill>
                   <a:srgbClr val="00B050"/>
                 </a:solidFill>
@@ -11378,7 +11181,7 @@
               <a:buNone/>
             </a:pPr>
             <a:r>
-              <a:rPr lang="en-CA" altLang="en-US" sz="2200" dirty="0" err="1" smtClean="0">
+              <a:rPr lang="en-CA" altLang="en-US" sz="2200" dirty="0" err="1">
                 <a:solidFill>
                   <a:srgbClr val="00B050"/>
                 </a:solidFill>
@@ -11386,7 +11189,7 @@
               <a:t>NOAA_plot</a:t>
             </a:r>
             <a:r>
-              <a:rPr lang="en-CA" altLang="en-US" sz="2200" dirty="0" smtClean="0">
+              <a:rPr lang="en-CA" altLang="en-US" sz="2200" dirty="0">
                 <a:solidFill>
                   <a:srgbClr val="00B050"/>
                 </a:solidFill>
@@ -11394,7 +11197,7 @@
               <a:t>(</a:t>
             </a:r>
             <a:r>
-              <a:rPr lang="en-CA" altLang="en-US" sz="2200" dirty="0" err="1" smtClean="0">
+              <a:rPr lang="en-CA" altLang="en-US" sz="2200" dirty="0" err="1">
                 <a:solidFill>
                   <a:srgbClr val="00B050"/>
                 </a:solidFill>
@@ -11402,18 +11205,13 @@
               <a:t>myMSE</a:t>
             </a:r>
             <a:r>
-              <a:rPr lang="en-CA" altLang="en-US" sz="2200" dirty="0" smtClean="0">
+              <a:rPr lang="en-CA" altLang="en-US" sz="2200" dirty="0">
                 <a:solidFill>
                   <a:srgbClr val="00B050"/>
                 </a:solidFill>
               </a:rPr>
               <a:t>)</a:t>
             </a:r>
-            <a:endParaRPr lang="en-CA" altLang="en-US" sz="2200" dirty="0">
-              <a:solidFill>
-                <a:srgbClr val="00B050"/>
-              </a:solidFill>
-            </a:endParaRPr>
           </a:p>
         </p:txBody>
       </p:sp>
@@ -11758,10 +11556,9 @@
           <a:lstStyle/>
           <a:p>
             <a:r>
-              <a:rPr lang="en-CA" dirty="0" smtClean="0"/>
+              <a:rPr lang="en-CA" dirty="0"/>
               <a:t>Checking Convergence</a:t>
             </a:r>
-            <a:endParaRPr lang="en-CA" dirty="0"/>
           </a:p>
         </p:txBody>
       </p:sp>
@@ -11789,7 +11586,7 @@
               <a:buNone/>
             </a:pPr>
             <a:r>
-              <a:rPr lang="en-CA" dirty="0" smtClean="0"/>
+              <a:rPr lang="en-CA" dirty="0"/>
               <a:t>By default operating models are run for 48 simulations. </a:t>
             </a:r>
           </a:p>
@@ -11798,23 +11595,8 @@
               <a:buNone/>
             </a:pPr>
             <a:r>
-              <a:rPr lang="en-CA" dirty="0" smtClean="0"/>
+              <a:rPr lang="en-CA" dirty="0"/>
               <a:t>That doesn’t sound like a lot, but how many is enough?</a:t>
-            </a:r>
-          </a:p>
-          <a:p>
-            <a:pPr marL="0" indent="0">
-              <a:buNone/>
-            </a:pPr>
-            <a:endParaRPr lang="en-CA" dirty="0" smtClean="0"/>
-          </a:p>
-          <a:p>
-            <a:pPr marL="0" indent="0">
-              <a:buNone/>
-            </a:pPr>
-            <a:r>
-              <a:rPr lang="en-CA" dirty="0" smtClean="0"/>
-              <a:t>You can check to see whether MP performance is stable using the function Converge()</a:t>
             </a:r>
           </a:p>
           <a:p>
@@ -11828,7 +11610,22 @@
               <a:buNone/>
             </a:pPr>
             <a:r>
-              <a:rPr lang="en-CA" dirty="0" smtClean="0">
+              <a:rPr lang="en-CA" dirty="0"/>
+              <a:t>You can check to see whether MP performance is stable using the function Converge()</a:t>
+            </a:r>
+          </a:p>
+          <a:p>
+            <a:pPr marL="0" indent="0">
+              <a:buNone/>
+            </a:pPr>
+            <a:endParaRPr lang="en-CA" dirty="0"/>
+          </a:p>
+          <a:p>
+            <a:pPr marL="0" indent="0">
+              <a:buNone/>
+            </a:pPr>
+            <a:r>
+              <a:rPr lang="en-CA" dirty="0">
                 <a:solidFill>
                   <a:srgbClr val="00B050"/>
                 </a:solidFill>
@@ -11836,7 +11633,7 @@
               <a:t>Converge(</a:t>
             </a:r>
             <a:r>
-              <a:rPr lang="en-CA" dirty="0" err="1" smtClean="0">
+              <a:rPr lang="en-CA" dirty="0" err="1">
                 <a:solidFill>
                   <a:srgbClr val="00B050"/>
                 </a:solidFill>
@@ -11844,7 +11641,7 @@
               <a:t>myMSE</a:t>
             </a:r>
             <a:r>
-              <a:rPr lang="en-CA" dirty="0" smtClean="0">
+              <a:rPr lang="en-CA" dirty="0">
                 <a:solidFill>
                   <a:srgbClr val="00B050"/>
                 </a:solidFill>
@@ -11856,17 +11653,16 @@
             <a:pPr marL="0" indent="0">
               <a:buNone/>
             </a:pPr>
-            <a:endParaRPr lang="en-CA" dirty="0" smtClean="0"/>
+            <a:endParaRPr lang="en-CA" dirty="0"/>
           </a:p>
           <a:p>
             <a:pPr marL="0" indent="0">
               <a:buNone/>
             </a:pPr>
             <a:r>
-              <a:rPr lang="en-CA" dirty="0" smtClean="0"/>
+              <a:rPr lang="en-CA" dirty="0"/>
               <a:t>This function returns two plots:</a:t>
             </a:r>
-            <a:endParaRPr lang="en-CA" dirty="0"/>
           </a:p>
         </p:txBody>
       </p:sp>
@@ -11880,13 +11676,6 @@
   <p:clrMapOvr>
     <a:masterClrMapping/>
   </p:clrMapOvr>
-  <p:timing>
-    <p:tnLst>
-      <p:par>
-        <p:cTn id="1" dur="indefinite" restart="never" nodeType="tmRoot"/>
-      </p:par>
-    </p:tnLst>
-  </p:timing>
 </p:sld>
 </file>
 
@@ -11931,14 +11720,9 @@
               <a:buNone/>
             </a:pPr>
             <a:r>
-              <a:rPr lang="en-CA" dirty="0" smtClean="0"/>
-              <a:t>Lines are MPs. The </a:t>
-            </a:r>
-            <a:r>
-              <a:rPr lang="en-CA" dirty="0" smtClean="0"/>
-              <a:t>first plot has 5 panels, each one shows the mean performance of a different metric (y axes) as simulations are added (iterations – the x axis)</a:t>
-            </a:r>
-            <a:endParaRPr lang="en-CA" dirty="0"/>
+              <a:rPr lang="en-CA" dirty="0"/>
+              <a:t>Lines are MPs. The first plot has 5 panels, each one shows the mean performance of a different metric (y axes) as simulations are added (iterations – the x axis)</a:t>
+            </a:r>
           </a:p>
         </p:txBody>
       </p:sp>
@@ -11976,13 +11760,6 @@
   <p:clrMapOvr>
     <a:masterClrMapping/>
   </p:clrMapOvr>
-  <p:timing>
-    <p:tnLst>
-      <p:par>
-        <p:cTn id="1" dur="indefinite" restart="never" nodeType="tmRoot"/>
-      </p:par>
-    </p:tnLst>
-  </p:timing>
 </p:sld>
 </file>
 
@@ -12027,10 +11804,9 @@
               <a:buNone/>
             </a:pPr>
             <a:r>
-              <a:rPr lang="en-CA" dirty="0" smtClean="0"/>
+              <a:rPr lang="en-CA" dirty="0"/>
               <a:t>The first plot has noted that some MPs did not converge with respect to 1 or more performance metrics. The second plot (if applicable) highlights these MPs:</a:t>
             </a:r>
-            <a:endParaRPr lang="en-CA" dirty="0"/>
           </a:p>
         </p:txBody>
       </p:sp>
@@ -12068,13 +11844,6 @@
   <p:clrMapOvr>
     <a:masterClrMapping/>
   </p:clrMapOvr>
-  <p:timing>
-    <p:tnLst>
-      <p:par>
-        <p:cTn id="1" dur="indefinite" restart="never" nodeType="tmRoot"/>
-      </p:par>
-    </p:tnLst>
-  </p:timing>
 </p:sld>
 </file>
 

--- a/Disused code/Misc/DLM_DFO/Lectures/3 Customizing DLMtool/L3a Specifying MPs and other MSE outputs.pptx
+++ b/Disused code/Misc/DLM_DFO/Lectures/3 Customizing DLMtool/L3a Specifying MPs and other MSE outputs.pptx
@@ -271,7 +271,7 @@
               <a:pPr>
                 <a:defRPr/>
               </a:pPr>
-              <a:t>2017-10-23</a:t>
+              <a:t>2017-10-31</a:t>
             </a:fld>
             <a:endParaRPr lang="en-CA"/>
           </a:p>
@@ -786,7 +786,7 @@
               <a:pPr>
                 <a:defRPr/>
               </a:pPr>
-              <a:t>10/23/2017</a:t>
+              <a:t>10/31/2017</a:t>
             </a:fld>
             <a:endParaRPr lang="en-US" dirty="0"/>
           </a:p>
@@ -1156,7 +1156,7 @@
               <a:pPr>
                 <a:defRPr/>
               </a:pPr>
-              <a:t>10/23/2017</a:t>
+              <a:t>10/31/2017</a:t>
             </a:fld>
             <a:endParaRPr lang="en-US" dirty="0"/>
           </a:p>
@@ -1434,7 +1434,7 @@
               <a:pPr>
                 <a:defRPr/>
               </a:pPr>
-              <a:t>10/23/2017</a:t>
+              <a:t>10/31/2017</a:t>
             </a:fld>
             <a:endParaRPr lang="en-US" dirty="0"/>
           </a:p>
@@ -2023,7 +2023,7 @@
               <a:pPr>
                 <a:defRPr/>
               </a:pPr>
-              <a:t>10/23/2017</a:t>
+              <a:t>10/31/2017</a:t>
             </a:fld>
             <a:endParaRPr lang="en-US" dirty="0"/>
           </a:p>
@@ -2303,7 +2303,7 @@
               <a:pPr>
                 <a:defRPr/>
               </a:pPr>
-              <a:t>10/23/2017</a:t>
+              <a:t>10/31/2017</a:t>
             </a:fld>
             <a:endParaRPr lang="en-US" dirty="0"/>
           </a:p>
@@ -2931,7 +2931,7 @@
               <a:pPr>
                 <a:defRPr/>
               </a:pPr>
-              <a:t>10/23/2017</a:t>
+              <a:t>10/31/2017</a:t>
             </a:fld>
             <a:endParaRPr lang="en-US" dirty="0"/>
           </a:p>
@@ -3851,7 +3851,7 @@
               <a:pPr>
                 <a:defRPr/>
               </a:pPr>
-              <a:t>10/23/2017</a:t>
+              <a:t>10/31/2017</a:t>
             </a:fld>
             <a:endParaRPr lang="en-US" dirty="0"/>
           </a:p>
@@ -4107,7 +4107,7 @@
               <a:pPr>
                 <a:defRPr/>
               </a:pPr>
-              <a:t>10/23/2017</a:t>
+              <a:t>10/31/2017</a:t>
             </a:fld>
             <a:endParaRPr lang="en-US" dirty="0"/>
           </a:p>
@@ -4373,7 +4373,7 @@
               <a:pPr>
                 <a:defRPr/>
               </a:pPr>
-              <a:t>10/23/2017</a:t>
+              <a:t>10/31/2017</a:t>
             </a:fld>
             <a:endParaRPr lang="en-US" dirty="0"/>
           </a:p>
@@ -4634,7 +4634,7 @@
               <a:pPr>
                 <a:defRPr/>
               </a:pPr>
-              <a:t>10/23/2017</a:t>
+              <a:t>10/31/2017</a:t>
             </a:fld>
             <a:endParaRPr lang="en-US" dirty="0"/>
           </a:p>
@@ -4913,7 +4913,7 @@
               <a:pPr>
                 <a:defRPr/>
               </a:pPr>
-              <a:t>10/23/2017</a:t>
+              <a:t>10/31/2017</a:t>
             </a:fld>
             <a:endParaRPr lang="en-US" dirty="0"/>
           </a:p>
@@ -5167,7 +5167,7 @@
               <a:pPr>
                 <a:defRPr/>
               </a:pPr>
-              <a:t>10/23/2017</a:t>
+              <a:t>10/31/2017</a:t>
             </a:fld>
             <a:endParaRPr lang="en-US" dirty="0"/>
           </a:p>
@@ -5582,7 +5582,7 @@
               <a:pPr>
                 <a:defRPr/>
               </a:pPr>
-              <a:t>10/23/2017</a:t>
+              <a:t>10/31/2017</a:t>
             </a:fld>
             <a:endParaRPr lang="en-US" dirty="0"/>
           </a:p>
@@ -5722,7 +5722,7 @@
               <a:pPr>
                 <a:defRPr/>
               </a:pPr>
-              <a:t>10/23/2017</a:t>
+              <a:t>10/31/2017</a:t>
             </a:fld>
             <a:endParaRPr lang="en-US" dirty="0"/>
           </a:p>
@@ -5839,7 +5839,7 @@
               <a:pPr>
                 <a:defRPr/>
               </a:pPr>
-              <a:t>10/23/2017</a:t>
+              <a:t>10/31/2017</a:t>
             </a:fld>
             <a:endParaRPr lang="en-US" dirty="0"/>
           </a:p>
@@ -6136,7 +6136,7 @@
               <a:pPr>
                 <a:defRPr/>
               </a:pPr>
-              <a:t>10/23/2017</a:t>
+              <a:t>10/31/2017</a:t>
             </a:fld>
             <a:endParaRPr lang="en-US" dirty="0"/>
           </a:p>
@@ -6444,7 +6444,7 @@
               <a:pPr>
                 <a:defRPr/>
               </a:pPr>
-              <a:t>10/23/2017</a:t>
+              <a:t>10/31/2017</a:t>
             </a:fld>
             <a:endParaRPr lang="en-US" dirty="0"/>
           </a:p>
@@ -6753,7 +6753,7 @@
               <a:pPr>
                 <a:defRPr/>
               </a:pPr>
-              <a:t>10/23/2017</a:t>
+              <a:t>10/31/2017</a:t>
             </a:fld>
             <a:endParaRPr lang="en-US" dirty="0"/>
           </a:p>
@@ -7372,12 +7372,20 @@
               <a:defRPr/>
             </a:pPr>
             <a:r>
+              <a:rPr lang="en-US" sz="3600">
+                <a:solidFill>
+                  <a:srgbClr val="27AFE5"/>
+                </a:solidFill>
+              </a:rPr>
+              <a:t>Data-Limited Methods </a:t>
+            </a:r>
+            <a:r>
               <a:rPr lang="en-US" sz="3600" dirty="0">
                 <a:solidFill>
                   <a:srgbClr val="27AFE5"/>
                 </a:solidFill>
               </a:rPr>
-              <a:t>Data-Limited Fisheries Toolkit </a:t>
+              <a:t>Toolkit </a:t>
             </a:r>
           </a:p>
         </p:txBody>
